--- a/fall11/slidesF11/slides5m.pptx
+++ b/fall11/slidesF11/slides5m.pptx
@@ -3842,7 +3842,11 @@
             </a:r>
             <a:r>
               <a:rPr lang="en-US" dirty="0" smtClean="0"/>
-              <a:t> 4F.</a:t>
+              <a:t> </a:t>
+            </a:r>
+            <a:r>
+              <a:rPr lang="en-US" dirty="0" smtClean="0"/>
+              <a:t>5M.</a:t>
             </a:r>
             <a:fld id="{2C84FE54-9186-40A1-B2A6-72C42D6F8BE5}" type="slidenum">
               <a:rPr lang="en-US" smtClean="0"/>
@@ -4003,7 +4007,11 @@
             </a:r>
             <a:r>
               <a:rPr lang="en-US" dirty="0" smtClean="0"/>
-              <a:t> 4F.</a:t>
+              <a:t> </a:t>
+            </a:r>
+            <a:r>
+              <a:rPr lang="en-US" dirty="0" smtClean="0"/>
+              <a:t>5M.</a:t>
             </a:r>
             <a:fld id="{2C84FE54-9186-40A1-B2A6-72C42D6F8BE5}" type="slidenum">
               <a:rPr lang="en-US" smtClean="0"/>
@@ -4186,7 +4194,11 @@
             </a:r>
             <a:r>
               <a:rPr lang="en-US" dirty="0" smtClean="0"/>
-              <a:t> 4F.</a:t>
+              <a:t> </a:t>
+            </a:r>
+            <a:r>
+              <a:rPr lang="en-US" dirty="0" smtClean="0"/>
+              <a:t>5M.</a:t>
             </a:r>
             <a:fld id="{2C84FE54-9186-40A1-B2A6-72C42D6F8BE5}" type="slidenum">
               <a:rPr lang="en-US" smtClean="0"/>
@@ -4295,7 +4307,11 @@
             </a:r>
             <a:r>
               <a:rPr lang="en-US" dirty="0" smtClean="0"/>
-              <a:t> 4F.</a:t>
+              <a:t> </a:t>
+            </a:r>
+            <a:r>
+              <a:rPr lang="en-US" dirty="0" smtClean="0"/>
+              <a:t>5M.</a:t>
             </a:r>
             <a:fld id="{2C84FE54-9186-40A1-B2A6-72C42D6F8BE5}" type="slidenum">
               <a:rPr lang="en-US" smtClean="0"/>
@@ -4381,7 +4397,11 @@
             </a:r>
             <a:r>
               <a:rPr lang="en-US" dirty="0" smtClean="0"/>
-              <a:t> 4F.</a:t>
+              <a:t> </a:t>
+            </a:r>
+            <a:r>
+              <a:rPr lang="en-US" dirty="0" smtClean="0"/>
+              <a:t>5M.</a:t>
             </a:r>
             <a:fld id="{2C84FE54-9186-40A1-B2A6-72C42D6F8BE5}" type="slidenum">
               <a:rPr lang="en-US" smtClean="0"/>
@@ -4786,7 +4806,11 @@
             </a:r>
             <a:r>
               <a:rPr lang="en-US" dirty="0" smtClean="0"/>
-              <a:t> 4F.</a:t>
+              <a:t> </a:t>
+            </a:r>
+            <a:r>
+              <a:rPr lang="en-US" dirty="0" smtClean="0"/>
+              <a:t>5M.</a:t>
             </a:r>
             <a:fld id="{2C84FE54-9186-40A1-B2A6-72C42D6F8BE5}" type="slidenum">
               <a:rPr lang="en-US" smtClean="0"/>
@@ -4850,7 +4874,37 @@
                 <a:uFillTx/>
                 <a:latin typeface="Comic Sans MS" pitchFamily="66" charset="0"/>
               </a:rPr>
-              <a:t>Albert R Meyer,   February 25, 2011</a:t>
+              <a:t>Albert R Meyer,   </a:t>
+            </a:r>
+            <a:r>
+              <a:rPr kumimoji="0" lang="en-US" sz="1200" b="0" i="0" u="none" strike="noStrike" kern="1200" cap="none" spc="0" normalizeH="0" baseline="0" noProof="0" dirty="0" smtClean="0">
+                <a:ln>
+                  <a:noFill/>
+                </a:ln>
+                <a:solidFill>
+                  <a:schemeClr val="tx1"/>
+                </a:solidFill>
+                <a:effectLst/>
+                <a:uLnTx/>
+                <a:uFillTx/>
+                <a:latin typeface="Comic Sans MS" pitchFamily="66" charset="0"/>
+              </a:rPr>
+              <a:t>October 3, </a:t>
+            </a:r>
+            <a:r>
+              <a:rPr kumimoji="0" lang="en-US" sz="1200" b="0" i="0" u="none" strike="noStrike" kern="1200" cap="none" spc="0" normalizeH="0" baseline="0" noProof="0" dirty="0" smtClean="0">
+                <a:ln>
+                  <a:noFill/>
+                </a:ln>
+                <a:solidFill>
+                  <a:schemeClr val="tx1"/>
+                </a:solidFill>
+                <a:effectLst/>
+                <a:uLnTx/>
+                <a:uFillTx/>
+                <a:latin typeface="Comic Sans MS" pitchFamily="66" charset="0"/>
+              </a:rPr>
+              <a:t>2011</a:t>
             </a:r>
             <a:endParaRPr kumimoji="0" lang="en-US" sz="1200" b="0" i="0" u="none" strike="noStrike" kern="1200" cap="none" spc="0" normalizeH="0" baseline="0" noProof="0" dirty="0">
               <a:ln>
@@ -5333,7 +5387,11 @@
             </a:r>
             <a:r>
               <a:rPr lang="en-US" dirty="0" smtClean="0"/>
-              <a:t> 4F.</a:t>
+              <a:t> </a:t>
+            </a:r>
+            <a:r>
+              <a:rPr lang="en-US" dirty="0" smtClean="0"/>
+              <a:t>5M.</a:t>
             </a:r>
             <a:fld id="{A4AC7DF5-7AF0-41A2-94AE-19E802825938}" type="slidenum">
               <a:rPr lang="en-US" smtClean="0"/>
@@ -6121,7 +6179,7 @@
           <a:graphicData uri="http://schemas.openxmlformats.org/presentationml/2006/ole">
             <mc:AlternateContent xmlns:mc="http://schemas.openxmlformats.org/markup-compatibility/2006">
               <mc:Choice xmlns:v="urn:schemas-microsoft-com:vml" Requires="v">
-                <p:oleObj spid="_x0000_s48135" name="Equation" r:id="rId3" imgW="76200" imgH="165100" progId="Equation.DSMT4">
+                <p:oleObj spid="_x0000_s48145" name="Equation" r:id="rId3" imgW="76200" imgH="165100" progId="Equation.DSMT4">
                   <p:embed/>
                 </p:oleObj>
               </mc:Choice>
@@ -6191,7 +6249,7 @@
           <a:graphicData uri="http://schemas.openxmlformats.org/presentationml/2006/ole">
             <mc:AlternateContent xmlns:mc="http://schemas.openxmlformats.org/markup-compatibility/2006">
               <mc:Choice xmlns:v="urn:schemas-microsoft-com:vml" Requires="v">
-                <p:oleObj spid="_x0000_s48136" name="Equation" r:id="rId5" imgW="76200" imgH="165100" progId="Equation.DSMT4">
+                <p:oleObj spid="_x0000_s48146" name="Equation" r:id="rId5" imgW="76200" imgH="165100" progId="Equation.DSMT4">
                   <p:embed/>
                 </p:oleObj>
               </mc:Choice>
@@ -6261,7 +6319,7 @@
           <a:graphicData uri="http://schemas.openxmlformats.org/presentationml/2006/ole">
             <mc:AlternateContent xmlns:mc="http://schemas.openxmlformats.org/markup-compatibility/2006">
               <mc:Choice xmlns:v="urn:schemas-microsoft-com:vml" Requires="v">
-                <p:oleObj spid="_x0000_s48137" name="Equation" r:id="rId7" imgW="76200" imgH="165100" progId="Equation.DSMT4">
+                <p:oleObj spid="_x0000_s48147" name="Equation" r:id="rId7" imgW="76200" imgH="165100" progId="Equation.DSMT4">
                   <p:embed/>
                 </p:oleObj>
               </mc:Choice>
@@ -7444,7 +7502,11 @@
             </a:r>
             <a:r>
               <a:rPr lang="en-US" dirty="0" smtClean="0"/>
-              <a:t> 4F.</a:t>
+              <a:t> </a:t>
+            </a:r>
+            <a:r>
+              <a:rPr lang="en-US" dirty="0" smtClean="0"/>
+              <a:t>5M.</a:t>
             </a:r>
             <a:fld id="{39C835F5-D522-4022-8F42-D67929EC04BC}" type="slidenum">
               <a:rPr lang="en-US" smtClean="0"/>
@@ -7993,6 +8055,9 @@
                     <p:cTn id="3" fill="hold">
                       <p:stCondLst>
                         <p:cond delay="indefinite"/>
+                        <p:cond evt="onBegin" delay="0">
+                          <p:tn val="2"/>
+                        </p:cond>
                       </p:stCondLst>
                       <p:childTnLst>
                         <p:par>
@@ -8002,7 +8067,7 @@
                             </p:stCondLst>
                             <p:childTnLst>
                               <p:par>
-                                <p:cTn id="5" presetID="2" presetClass="entr" presetSubtype="1" fill="hold" grpId="0" nodeType="clickEffect">
+                                <p:cTn id="5" presetID="2" presetClass="entr" presetSubtype="1" fill="hold" grpId="0" nodeType="afterEffect">
                                   <p:stCondLst>
                                     <p:cond delay="0"/>
                                   </p:stCondLst>
@@ -8217,30 +8282,21 @@
                             </p:childTnLst>
                           </p:cTn>
                         </p:par>
-                      </p:childTnLst>
-                    </p:cTn>
-                  </p:par>
-                  <p:par>
-                    <p:cTn id="16" fill="hold">
-                      <p:stCondLst>
-                        <p:cond delay="indefinite"/>
-                      </p:stCondLst>
-                      <p:childTnLst>
                         <p:par>
-                          <p:cTn id="17" fill="hold">
+                          <p:cTn id="16" fill="hold">
                             <p:stCondLst>
-                              <p:cond delay="0"/>
+                              <p:cond delay="1500"/>
                             </p:stCondLst>
                             <p:childTnLst>
                               <p:par>
-                                <p:cTn id="18" presetID="9" presetClass="entr" presetSubtype="0" fill="hold" grpId="0" nodeType="clickEffect">
+                                <p:cTn id="17" presetID="9" presetClass="entr" presetSubtype="0" fill="hold" grpId="0" nodeType="afterEffect">
                                   <p:stCondLst>
                                     <p:cond delay="0"/>
                                   </p:stCondLst>
                                   <p:childTnLst>
                                     <p:set>
                                       <p:cBhvr>
-                                        <p:cTn id="19" dur="1" fill="hold">
+                                        <p:cTn id="18" dur="1" fill="hold">
                                           <p:stCondLst>
                                             <p:cond delay="0"/>
                                           </p:stCondLst>
@@ -8258,7 +8314,7 @@
                                     </p:set>
                                     <p:animEffect transition="in" filter="dissolve">
                                       <p:cBhvr>
-                                        <p:cTn id="20" dur="500"/>
+                                        <p:cTn id="19" dur="1000"/>
                                         <p:tgtEl>
                                           <p:spTgt spid="6"/>
                                         </p:tgtEl>
@@ -9101,7 +9157,11 @@
             </a:r>
             <a:r>
               <a:rPr lang="en-US" dirty="0" smtClean="0"/>
-              <a:t> 4F.</a:t>
+              <a:t> </a:t>
+            </a:r>
+            <a:r>
+              <a:rPr lang="en-US" dirty="0" smtClean="0"/>
+              <a:t>5M.</a:t>
             </a:r>
             <a:fld id="{F983144A-2159-43E6-9883-EA7F9A63C95C}" type="slidenum">
               <a:rPr lang="en-US" smtClean="0"/>
@@ -9613,7 +9673,11 @@
             </a:r>
             <a:r>
               <a:rPr lang="en-US" dirty="0" smtClean="0"/>
-              <a:t> 4F.</a:t>
+              <a:t> </a:t>
+            </a:r>
+            <a:r>
+              <a:rPr lang="en-US" dirty="0" smtClean="0"/>
+              <a:t>5M.</a:t>
             </a:r>
             <a:fld id="{F68BA477-95F3-4E3A-9350-72940DE80A21}" type="slidenum">
               <a:rPr lang="en-US" smtClean="0"/>
@@ -10396,7 +10460,11 @@
             </a:r>
             <a:r>
               <a:rPr lang="en-US" dirty="0" smtClean="0"/>
-              <a:t> 4F.</a:t>
+              <a:t> </a:t>
+            </a:r>
+            <a:r>
+              <a:rPr lang="en-US" dirty="0" smtClean="0"/>
+              <a:t>5M.</a:t>
             </a:r>
             <a:fld id="{F68BA477-95F3-4E3A-9350-72940DE80A21}" type="slidenum">
               <a:rPr lang="en-US" smtClean="0"/>
@@ -10592,7 +10660,11 @@
             </a:r>
             <a:r>
               <a:rPr lang="en-US" dirty="0" smtClean="0"/>
-              <a:t> 4F.</a:t>
+              <a:t> </a:t>
+            </a:r>
+            <a:r>
+              <a:rPr lang="en-US" dirty="0" smtClean="0"/>
+              <a:t>5M.</a:t>
             </a:r>
             <a:fld id="{BFD3E0AC-6773-4603-B05E-7A304BBEF6E7}" type="slidenum">
               <a:rPr lang="en-US" smtClean="0"/>
@@ -11370,7 +11442,11 @@
             </a:r>
             <a:r>
               <a:rPr lang="en-US" dirty="0" smtClean="0"/>
-              <a:t> 4F.</a:t>
+              <a:t> </a:t>
+            </a:r>
+            <a:r>
+              <a:rPr lang="en-US" dirty="0" smtClean="0"/>
+              <a:t>5M.</a:t>
             </a:r>
             <a:fld id="{721C7B8C-A80A-41E5-B38A-4DDD0B0DE62B}" type="slidenum">
               <a:rPr lang="en-US" smtClean="0"/>
@@ -13004,7 +13080,11 @@
             </a:r>
             <a:r>
               <a:rPr lang="en-US" dirty="0" smtClean="0"/>
-              <a:t> 4F.</a:t>
+              <a:t> </a:t>
+            </a:r>
+            <a:r>
+              <a:rPr lang="en-US" dirty="0" smtClean="0"/>
+              <a:t>5M.</a:t>
             </a:r>
             <a:fld id="{E82C0828-BE9F-4E7E-82B4-4ABB969B6BF4}" type="slidenum">
               <a:rPr lang="en-US" smtClean="0"/>
@@ -13140,7 +13220,7 @@
           <a:graphicData uri="http://schemas.openxmlformats.org/presentationml/2006/ole">
             <mc:AlternateContent xmlns:mc="http://schemas.openxmlformats.org/markup-compatibility/2006">
               <mc:Choice xmlns:v="urn:schemas-microsoft-com:vml" Requires="v">
-                <p:oleObj spid="_x0000_s63494" name="Equation" r:id="rId4" imgW="1092200" imgH="215900" progId="Equation.DSMT4">
+                <p:oleObj spid="_x0000_s63504" name="Equation" r:id="rId4" imgW="1092200" imgH="215900" progId="Equation.DSMT4">
                   <p:embed/>
                 </p:oleObj>
               </mc:Choice>
@@ -13210,7 +13290,7 @@
           <a:graphicData uri="http://schemas.openxmlformats.org/presentationml/2006/ole">
             <mc:AlternateContent xmlns:mc="http://schemas.openxmlformats.org/markup-compatibility/2006">
               <mc:Choice xmlns:v="urn:schemas-microsoft-com:vml" Requires="v">
-                <p:oleObj spid="_x0000_s63495" name="Equation" r:id="rId6" imgW="139700" imgH="228600" progId="Equation.DSMT4">
+                <p:oleObj spid="_x0000_s63505" name="Equation" r:id="rId6" imgW="139700" imgH="228600" progId="Equation.DSMT4">
                   <p:embed/>
                 </p:oleObj>
               </mc:Choice>
@@ -13280,7 +13360,7 @@
           <a:graphicData uri="http://schemas.openxmlformats.org/presentationml/2006/ole">
             <mc:AlternateContent xmlns:mc="http://schemas.openxmlformats.org/markup-compatibility/2006">
               <mc:Choice xmlns:v="urn:schemas-microsoft-com:vml" Requires="v">
-                <p:oleObj spid="_x0000_s63496" name="Equation" r:id="rId8" imgW="939800" imgH="228600" progId="Equation.DSMT4">
+                <p:oleObj spid="_x0000_s63506" name="Equation" r:id="rId8" imgW="939800" imgH="228600" progId="Equation.DSMT4">
                   <p:embed/>
                 </p:oleObj>
               </mc:Choice>
@@ -13621,7 +13701,11 @@
             </a:r>
             <a:r>
               <a:rPr lang="en-US" dirty="0" smtClean="0"/>
-              <a:t> 4F.</a:t>
+              <a:t> </a:t>
+            </a:r>
+            <a:r>
+              <a:rPr lang="en-US" dirty="0" smtClean="0"/>
+              <a:t>5M.</a:t>
             </a:r>
             <a:fld id="{868BECA4-D347-43B9-BB06-394BA694FB5A}" type="slidenum">
               <a:rPr lang="en-US" smtClean="0"/>
@@ -13970,7 +14054,11 @@
             </a:r>
             <a:r>
               <a:rPr lang="en-US" dirty="0" smtClean="0"/>
-              <a:t> 4F.</a:t>
+              <a:t> </a:t>
+            </a:r>
+            <a:r>
+              <a:rPr lang="en-US" dirty="0" smtClean="0"/>
+              <a:t>5M.</a:t>
             </a:r>
             <a:fld id="{FFA709DD-B7D6-4639-80C7-4F036B9C5059}" type="slidenum">
               <a:rPr lang="en-US" smtClean="0"/>
@@ -14950,7 +15038,11 @@
             </a:r>
             <a:r>
               <a:rPr lang="en-US" dirty="0" smtClean="0"/>
-              <a:t> 4F.</a:t>
+              <a:t> </a:t>
+            </a:r>
+            <a:r>
+              <a:rPr lang="en-US" dirty="0" smtClean="0"/>
+              <a:t>5M.</a:t>
             </a:r>
             <a:fld id="{E074A72C-E57A-45CB-B5EA-2D9BAFBFF912}" type="slidenum">
               <a:rPr lang="en-US" smtClean="0"/>
@@ -15253,7 +15345,7 @@
           <a:graphicData uri="http://schemas.openxmlformats.org/presentationml/2006/ole">
             <mc:AlternateContent xmlns:mc="http://schemas.openxmlformats.org/markup-compatibility/2006">
               <mc:Choice xmlns:v="urn:schemas-microsoft-com:vml" Requires="v">
-                <p:oleObj spid="_x0000_s2053" name="Equation" r:id="rId4" imgW="114120" imgH="177480" progId="Equation.DSMT4">
+                <p:oleObj spid="_x0000_s2060" name="Equation" r:id="rId4" imgW="114120" imgH="177480" progId="Equation.DSMT4">
                   <p:embed/>
                 </p:oleObj>
               </mc:Choice>
@@ -15325,7 +15417,7 @@
           <a:graphicData uri="http://schemas.openxmlformats.org/presentationml/2006/ole">
             <mc:AlternateContent xmlns:mc="http://schemas.openxmlformats.org/markup-compatibility/2006">
               <mc:Choice xmlns:v="urn:schemas-microsoft-com:vml" Requires="v">
-                <p:oleObj spid="_x0000_s2054" name="Equation" r:id="rId6" imgW="253800" imgH="228600" progId="Equation.DSMT4">
+                <p:oleObj spid="_x0000_s2061" name="Equation" r:id="rId6" imgW="253800" imgH="228600" progId="Equation.DSMT4">
                   <p:embed/>
                 </p:oleObj>
               </mc:Choice>
@@ -16020,7 +16112,11 @@
             </a:r>
             <a:r>
               <a:rPr lang="en-US" dirty="0" smtClean="0"/>
-              <a:t> 4F.</a:t>
+              <a:t> </a:t>
+            </a:r>
+            <a:r>
+              <a:rPr lang="en-US" dirty="0" smtClean="0"/>
+              <a:t>5M.</a:t>
             </a:r>
             <a:fld id="{BBD4D73E-D824-429A-8847-FA2B043688DF}" type="slidenum">
               <a:rPr lang="en-US" smtClean="0"/>
@@ -16047,7 +16143,7 @@
           <a:graphicData uri="http://schemas.openxmlformats.org/presentationml/2006/ole">
             <mc:AlternateContent xmlns:mc="http://schemas.openxmlformats.org/markup-compatibility/2006">
               <mc:Choice xmlns:v="urn:schemas-microsoft-com:vml" Requires="v">
-                <p:oleObj spid="_x0000_s3076" name="Equation" r:id="rId4" imgW="114120" imgH="177480" progId="Equation.DSMT4">
+                <p:oleObj spid="_x0000_s3080" name="Equation" r:id="rId4" imgW="114120" imgH="177480" progId="Equation.DSMT4">
                   <p:embed/>
                 </p:oleObj>
               </mc:Choice>
@@ -16819,7 +16915,11 @@
             </a:r>
             <a:r>
               <a:rPr lang="en-US" dirty="0" smtClean="0"/>
-              <a:t> 4F.</a:t>
+              <a:t> </a:t>
+            </a:r>
+            <a:r>
+              <a:rPr lang="en-US" dirty="0" smtClean="0"/>
+              <a:t>5M.</a:t>
             </a:r>
             <a:fld id="{A209A55F-2413-483A-BE10-A087E98FD24B}" type="slidenum">
               <a:rPr lang="en-US" smtClean="0"/>
@@ -16846,7 +16946,7 @@
           <a:graphicData uri="http://schemas.openxmlformats.org/presentationml/2006/ole">
             <mc:AlternateContent xmlns:mc="http://schemas.openxmlformats.org/markup-compatibility/2006">
               <mc:Choice xmlns:v="urn:schemas-microsoft-com:vml" Requires="v">
-                <p:oleObj spid="_x0000_s4100" name="Equation" r:id="rId4" imgW="114120" imgH="177480" progId="Equation.DSMT4">
+                <p:oleObj spid="_x0000_s4104" name="Equation" r:id="rId4" imgW="114120" imgH="177480" progId="Equation.DSMT4">
                   <p:embed/>
                 </p:oleObj>
               </mc:Choice>
@@ -17719,7 +17819,11 @@
             </a:r>
             <a:r>
               <a:rPr lang="en-US" dirty="0" smtClean="0"/>
-              <a:t> 4F.</a:t>
+              <a:t> </a:t>
+            </a:r>
+            <a:r>
+              <a:rPr lang="en-US" dirty="0" smtClean="0"/>
+              <a:t>5M.</a:t>
             </a:r>
             <a:fld id="{5509941D-8309-4AAA-A903-4D57AEC2EC9F}" type="slidenum">
               <a:rPr lang="en-US" smtClean="0"/>
@@ -17746,7 +17850,7 @@
           <a:graphicData uri="http://schemas.openxmlformats.org/presentationml/2006/ole">
             <mc:AlternateContent xmlns:mc="http://schemas.openxmlformats.org/markup-compatibility/2006">
               <mc:Choice xmlns:v="urn:schemas-microsoft-com:vml" Requires="v">
-                <p:oleObj spid="_x0000_s5124" name="Equation" r:id="rId4" imgW="114120" imgH="177480" progId="Equation.DSMT4">
+                <p:oleObj spid="_x0000_s5128" name="Equation" r:id="rId4" imgW="114120" imgH="177480" progId="Equation.DSMT4">
                   <p:embed/>
                 </p:oleObj>
               </mc:Choice>
@@ -18882,7 +18986,11 @@
             </a:r>
             <a:r>
               <a:rPr lang="en-US" dirty="0" smtClean="0"/>
-              <a:t> 4F.</a:t>
+              <a:t> </a:t>
+            </a:r>
+            <a:r>
+              <a:rPr lang="en-US" dirty="0" smtClean="0"/>
+              <a:t>5M.</a:t>
             </a:r>
             <a:fld id="{882D82BC-455A-46A4-B2BB-34843D25408C}" type="slidenum">
               <a:rPr lang="en-US" smtClean="0"/>
@@ -20889,7 +20997,11 @@
             </a:r>
             <a:r>
               <a:rPr lang="en-US" dirty="0" smtClean="0"/>
-              <a:t> 4F.</a:t>
+              <a:t> </a:t>
+            </a:r>
+            <a:r>
+              <a:rPr lang="en-US" dirty="0" smtClean="0"/>
+              <a:t>5M.</a:t>
             </a:r>
             <a:fld id="{1FF2CE9F-95BC-441B-9BF8-65FCDDEAAF9E}" type="slidenum">
               <a:rPr lang="en-US" smtClean="0"/>
@@ -21664,7 +21776,11 @@
             </a:r>
             <a:r>
               <a:rPr lang="en-US" dirty="0" smtClean="0"/>
-              <a:t> 4F.</a:t>
+              <a:t> </a:t>
+            </a:r>
+            <a:r>
+              <a:rPr lang="en-US" dirty="0" smtClean="0"/>
+              <a:t>5M.</a:t>
             </a:r>
             <a:fld id="{918549C1-F105-4D50-A9F9-4429B29B0871}" type="slidenum">
               <a:rPr lang="en-US" smtClean="0"/>
@@ -22480,7 +22596,11 @@
             </a:r>
             <a:r>
               <a:rPr lang="en-US" dirty="0" smtClean="0"/>
-              <a:t> 4F.</a:t>
+              <a:t> </a:t>
+            </a:r>
+            <a:r>
+              <a:rPr lang="en-US" dirty="0" smtClean="0"/>
+              <a:t>5M.</a:t>
             </a:r>
             <a:fld id="{ACEA44F3-0AAF-46F8-BADD-99322BE333C9}" type="slidenum">
               <a:rPr lang="en-US" smtClean="0"/>
@@ -23097,7 +23217,11 @@
             </a:r>
             <a:r>
               <a:rPr lang="en-US" sz="1100" dirty="0" smtClean="0"/>
-              <a:t> 4F.</a:t>
+              <a:t> </a:t>
+            </a:r>
+            <a:r>
+              <a:rPr lang="en-US" sz="1100" dirty="0" smtClean="0"/>
+              <a:t>5M.</a:t>
             </a:r>
             <a:fld id="{4522ED1D-8D07-4791-96F6-DF6351C24384}" type="slidenum">
               <a:rPr lang="en-US" sz="1100" smtClean="0"/>
@@ -24283,7 +24407,11 @@
             </a:r>
             <a:r>
               <a:rPr lang="en-US" dirty="0" smtClean="0"/>
-              <a:t> 4F.</a:t>
+              <a:t> </a:t>
+            </a:r>
+            <a:r>
+              <a:rPr lang="en-US" dirty="0" smtClean="0"/>
+              <a:t>5M.</a:t>
             </a:r>
             <a:fld id="{F31D554E-2255-4599-BA72-F7A6D7F0B795}" type="slidenum">
               <a:rPr lang="en-US" smtClean="0"/>
@@ -25973,7 +26101,11 @@
             </a:r>
             <a:r>
               <a:rPr lang="en-US" dirty="0" smtClean="0"/>
-              <a:t> 4F.</a:t>
+              <a:t> </a:t>
+            </a:r>
+            <a:r>
+              <a:rPr lang="en-US" dirty="0" smtClean="0"/>
+              <a:t>5M.</a:t>
             </a:r>
             <a:fld id="{A4AC7DF5-7AF0-41A2-94AE-19E802825938}" type="slidenum">
               <a:rPr lang="en-US" smtClean="0"/>
@@ -26355,7 +26487,11 @@
             </a:r>
             <a:r>
               <a:rPr lang="en-US" dirty="0" smtClean="0"/>
-              <a:t> 4F.</a:t>
+              <a:t> </a:t>
+            </a:r>
+            <a:r>
+              <a:rPr lang="en-US" dirty="0" smtClean="0"/>
+              <a:t>5M.</a:t>
             </a:r>
             <a:fld id="{D747DC21-DD6C-4C9E-880E-0C721ABF6EB1}" type="slidenum">
               <a:rPr lang="en-US" smtClean="0"/>
@@ -28269,7 +28405,11 @@
             </a:r>
             <a:r>
               <a:rPr lang="en-US" dirty="0" smtClean="0"/>
-              <a:t> 4F.</a:t>
+              <a:t> </a:t>
+            </a:r>
+            <a:r>
+              <a:rPr lang="en-US" dirty="0" smtClean="0"/>
+              <a:t>5M.</a:t>
             </a:r>
             <a:fld id="{A4AC7DF5-7AF0-41A2-94AE-19E802825938}" type="slidenum">
               <a:rPr lang="en-US" smtClean="0"/>
@@ -29875,7 +30015,11 @@
             </a:r>
             <a:r>
               <a:rPr lang="en-US" dirty="0" smtClean="0"/>
-              <a:t> 4F.</a:t>
+              <a:t> </a:t>
+            </a:r>
+            <a:r>
+              <a:rPr lang="en-US" dirty="0" smtClean="0"/>
+              <a:t>5M.</a:t>
             </a:r>
             <a:fld id="{A4AC7DF5-7AF0-41A2-94AE-19E802825938}" type="slidenum">
               <a:rPr lang="en-US" smtClean="0"/>
@@ -31531,7 +31675,11 @@
             </a:r>
             <a:r>
               <a:rPr lang="en-US" dirty="0" smtClean="0"/>
-              <a:t> 4F.</a:t>
+              <a:t> </a:t>
+            </a:r>
+            <a:r>
+              <a:rPr lang="en-US" dirty="0" smtClean="0"/>
+              <a:t>5M.</a:t>
             </a:r>
             <a:fld id="{A4AC7DF5-7AF0-41A2-94AE-19E802825938}" type="slidenum">
               <a:rPr lang="en-US" smtClean="0"/>
@@ -33237,7 +33385,11 @@
             </a:r>
             <a:r>
               <a:rPr lang="en-US" dirty="0" smtClean="0"/>
-              <a:t> 4F.</a:t>
+              <a:t> </a:t>
+            </a:r>
+            <a:r>
+              <a:rPr lang="en-US" dirty="0" smtClean="0"/>
+              <a:t>5M.</a:t>
             </a:r>
             <a:fld id="{A4AC7DF5-7AF0-41A2-94AE-19E802825938}" type="slidenum">
               <a:rPr lang="en-US" smtClean="0"/>
@@ -33317,7 +33469,11 @@
             </a:r>
             <a:r>
               <a:rPr lang="en-US" dirty="0" smtClean="0"/>
-              <a:t> 4F.</a:t>
+              <a:t> </a:t>
+            </a:r>
+            <a:r>
+              <a:rPr lang="en-US" dirty="0" smtClean="0"/>
+              <a:t>5M.</a:t>
             </a:r>
             <a:fld id="{6CD26AEE-0E32-4926-A5A9-661FC0FA76F2}" type="slidenum">
               <a:rPr lang="en-US" smtClean="0"/>
@@ -33745,7 +33901,11 @@
             </a:r>
             <a:r>
               <a:rPr lang="en-US" dirty="0" smtClean="0"/>
-              <a:t> 4F.</a:t>
+              <a:t> </a:t>
+            </a:r>
+            <a:r>
+              <a:rPr lang="en-US" dirty="0" smtClean="0"/>
+              <a:t>5M.</a:t>
             </a:r>
             <a:fld id="{23113D1B-6E52-4E31-AF3B-D53C2340A243}" type="slidenum">
               <a:rPr lang="en-US" smtClean="0"/>
@@ -36459,7 +36619,11 @@
             </a:r>
             <a:r>
               <a:rPr lang="en-US" dirty="0" smtClean="0"/>
-              <a:t> 4F.</a:t>
+              <a:t> </a:t>
+            </a:r>
+            <a:r>
+              <a:rPr lang="en-US" dirty="0" smtClean="0"/>
+              <a:t>5M.</a:t>
             </a:r>
             <a:fld id="{A4AC7DF5-7AF0-41A2-94AE-19E802825938}" type="slidenum">
               <a:rPr lang="en-US" smtClean="0"/>
@@ -38065,7 +38229,11 @@
             </a:r>
             <a:r>
               <a:rPr lang="en-US" dirty="0" smtClean="0"/>
-              <a:t> 4F.</a:t>
+              <a:t> </a:t>
+            </a:r>
+            <a:r>
+              <a:rPr lang="en-US" dirty="0" smtClean="0"/>
+              <a:t>5M.</a:t>
             </a:r>
             <a:fld id="{A4AC7DF5-7AF0-41A2-94AE-19E802825938}" type="slidenum">
               <a:rPr lang="en-US" smtClean="0"/>
@@ -39721,7 +39889,11 @@
             </a:r>
             <a:r>
               <a:rPr lang="en-US" dirty="0" smtClean="0"/>
-              <a:t> 4F.</a:t>
+              <a:t> </a:t>
+            </a:r>
+            <a:r>
+              <a:rPr lang="en-US" dirty="0" smtClean="0"/>
+              <a:t>5M.</a:t>
             </a:r>
             <a:fld id="{A4AC7DF5-7AF0-41A2-94AE-19E802825938}" type="slidenum">
               <a:rPr lang="en-US" smtClean="0"/>
@@ -41427,7 +41599,11 @@
             </a:r>
             <a:r>
               <a:rPr lang="en-US" dirty="0" smtClean="0"/>
-              <a:t> 4F.</a:t>
+              <a:t> </a:t>
+            </a:r>
+            <a:r>
+              <a:rPr lang="en-US" dirty="0" smtClean="0"/>
+              <a:t>5M.</a:t>
             </a:r>
             <a:fld id="{A4AC7DF5-7AF0-41A2-94AE-19E802825938}" type="slidenum">
               <a:rPr lang="en-US" smtClean="0"/>
@@ -41507,7 +41683,11 @@
             </a:r>
             <a:r>
               <a:rPr lang="en-US" dirty="0" smtClean="0"/>
-              <a:t> 4F.</a:t>
+              <a:t> </a:t>
+            </a:r>
+            <a:r>
+              <a:rPr lang="en-US" dirty="0" smtClean="0"/>
+              <a:t>5M.</a:t>
             </a:r>
             <a:fld id="{1FF2CE9F-95BC-441B-9BF8-65FCDDEAAF9E}" type="slidenum">
               <a:rPr lang="en-US" smtClean="0"/>
@@ -42081,7 +42261,11 @@
             </a:r>
             <a:r>
               <a:rPr lang="en-US" dirty="0" smtClean="0"/>
-              <a:t> 4F.</a:t>
+              <a:t> </a:t>
+            </a:r>
+            <a:r>
+              <a:rPr lang="en-US" dirty="0" smtClean="0"/>
+              <a:t>5M.</a:t>
             </a:r>
             <a:fld id="{ACEA44F3-0AAF-46F8-BADD-99322BE333C9}" type="slidenum">
               <a:rPr lang="en-US" smtClean="0"/>
@@ -42686,7 +42870,11 @@
             </a:r>
             <a:r>
               <a:rPr lang="en-US" sz="1100" dirty="0" smtClean="0"/>
-              <a:t> 4F.</a:t>
+              <a:t> </a:t>
+            </a:r>
+            <a:r>
+              <a:rPr lang="en-US" sz="1100" dirty="0" smtClean="0"/>
+              <a:t>5M.</a:t>
             </a:r>
             <a:fld id="{4522ED1D-8D07-4791-96F6-DF6351C24384}" type="slidenum">
               <a:rPr lang="en-US" sz="1100" smtClean="0"/>
@@ -45471,7 +45659,11 @@
             </a:r>
             <a:r>
               <a:rPr lang="en-US" dirty="0" smtClean="0"/>
-              <a:t> 4F.</a:t>
+              <a:t> </a:t>
+            </a:r>
+            <a:r>
+              <a:rPr lang="en-US" dirty="0" smtClean="0"/>
+              <a:t>5M.</a:t>
             </a:r>
             <a:fld id="{022FA3CA-67F7-419D-9076-342CB589ED4C}" type="slidenum">
               <a:rPr lang="en-US" smtClean="0"/>
@@ -47604,7 +47796,11 @@
             </a:r>
             <a:r>
               <a:rPr lang="en-US" sz="1100" dirty="0" smtClean="0"/>
-              <a:t> 4F.</a:t>
+              <a:t> </a:t>
+            </a:r>
+            <a:r>
+              <a:rPr lang="en-US" sz="1100" dirty="0" smtClean="0"/>
+              <a:t>5M.</a:t>
             </a:r>
             <a:fld id="{4522ED1D-8D07-4791-96F6-DF6351C24384}" type="slidenum">
               <a:rPr lang="en-US" sz="1100" smtClean="0"/>
@@ -48147,7 +48343,11 @@
             </a:r>
             <a:r>
               <a:rPr lang="en-US" dirty="0" smtClean="0"/>
-              <a:t> 4F.</a:t>
+              <a:t> </a:t>
+            </a:r>
+            <a:r>
+              <a:rPr lang="en-US" dirty="0" smtClean="0"/>
+              <a:t>5M.</a:t>
             </a:r>
             <a:fld id="{022FA3CA-67F7-419D-9076-342CB589ED4C}" type="slidenum">
               <a:rPr lang="en-US" smtClean="0"/>
@@ -48576,7 +48776,11 @@
             </a:r>
             <a:r>
               <a:rPr lang="en-US" dirty="0" smtClean="0"/>
-              <a:t> 4F.</a:t>
+              <a:t> </a:t>
+            </a:r>
+            <a:r>
+              <a:rPr lang="en-US" dirty="0" smtClean="0"/>
+              <a:t>5M.</a:t>
             </a:r>
             <a:fld id="{7CFEC0B9-B165-4AFD-A377-47BA8146AF47}" type="slidenum">
               <a:rPr lang="en-US" smtClean="0"/>
@@ -48775,7 +48979,11 @@
             </a:r>
             <a:r>
               <a:rPr lang="en-US" dirty="0" smtClean="0"/>
-              <a:t> 4F.</a:t>
+              <a:t> </a:t>
+            </a:r>
+            <a:r>
+              <a:rPr lang="en-US" dirty="0" smtClean="0"/>
+              <a:t>5M.</a:t>
             </a:r>
             <a:fld id="{71B73A8D-6535-441B-98E3-31ECF73D9A7E}" type="slidenum">
               <a:rPr lang="en-US" smtClean="0"/>
@@ -49173,7 +49381,11 @@
             </a:r>
             <a:r>
               <a:rPr lang="en-US" dirty="0" smtClean="0"/>
-              <a:t> 4F.</a:t>
+              <a:t> </a:t>
+            </a:r>
+            <a:r>
+              <a:rPr lang="en-US" dirty="0" smtClean="0"/>
+              <a:t>5M.</a:t>
             </a:r>
             <a:fld id="{39C835F5-D522-4022-8F42-D67929EC04BC}" type="slidenum">
               <a:rPr lang="en-US" smtClean="0"/>
